--- a/Jantbg_Presentation.pptx
+++ b/Jantbg_Presentation.pptx
@@ -111,7 +111,16 @@
       </a:defRPr>
     </a:lvl9pPr>
   </p:defaultTextStyle>
+  <p:extLst>
+    <p:ext uri="{EFAFB233-063F-42B5-8137-9DF3F51BA10A}">
+      <p15:sldGuideLst xmlns:p15="http://schemas.microsoft.com/office/powerpoint/2012/main"/>
+    </p:ext>
+  </p:extLst>
 </p:presentation>
+</file>
+
+<file path=ppt/revisionInfo.xml><?xml version="1.0" encoding="utf-8"?>
+<p1510:revInfo xmlns:a="http://schemas.openxmlformats.org/drawingml/2006/main" xmlns:r="http://schemas.openxmlformats.org/officeDocument/2006/relationships" xmlns:p1510="http://schemas.microsoft.com/office/powerpoint/2015/10/main"/>
 </file>
 
 <file path=ppt/slideLayouts/slideLayout1.xml><?xml version="1.0" encoding="utf-8"?>
@@ -3057,7 +3066,7 @@
         </p:blipFill>
         <p:spPr>
           <a:xfrm>
-            <a:off x="3276600" y="1781175"/>
+            <a:off x="3276600" y="1727909"/>
             <a:ext cx="6324600" cy="4838700"/>
           </a:xfrm>
           <a:prstGeom prst="rect">
@@ -3192,7 +3201,7 @@
             <a:pPr algn="ctr"/>
             <a:r>
               <a:rPr lang="en-US" sz="4000" b="1" dirty="0"/>
-              <a:t>Realization</a:t>
+              <a:t>Realization:</a:t>
             </a:r>
             <a:endParaRPr lang="en-US" b="1" dirty="0"/>
           </a:p>
@@ -3823,7 +3832,7 @@
           </a:bodyPr>
           <a:lstStyle/>
           <a:p>
-            <a:pPr algn="just"/>
+            <a:pPr algn="ctr"/>
             <a:r>
               <a:rPr lang="en-US" dirty="0"/>
               <a:t>Toolbar menu. Elements – Image button and two Text Views.</a:t>
@@ -4814,7 +4823,7 @@
         </p:nvCxnSpPr>
         <p:spPr>
           <a:xfrm flipV="1">
-            <a:off x="3701988" y="2539014"/>
+            <a:off x="3969661" y="1887964"/>
             <a:ext cx="736847" cy="275207"/>
           </a:xfrm>
           <a:prstGeom prst="straightConnector1">
@@ -4892,7 +4901,7 @@
         </p:nvSpPr>
         <p:spPr>
           <a:xfrm>
-            <a:off x="4660777" y="2201662"/>
+            <a:off x="4583052" y="1572536"/>
             <a:ext cx="2725444" cy="646331"/>
           </a:xfrm>
           <a:prstGeom prst="rect">
@@ -4983,6 +4992,80 @@
           </a:p>
         </p:txBody>
       </p:sp>
+      <p:sp>
+        <p:nvSpPr>
+          <p:cNvPr id="6" name="TextBox 5">
+            <a:extLst>
+              <a:ext uri="{FF2B5EF4-FFF2-40B4-BE49-F238E27FC236}">
+                <a16:creationId xmlns:a16="http://schemas.microsoft.com/office/drawing/2014/main" id="{3BD12D42-D5A1-4F43-92FA-D29DF878B483}"/>
+              </a:ext>
+            </a:extLst>
+          </p:cNvPr>
+          <p:cNvSpPr txBox="1"/>
+          <p:nvPr/>
+        </p:nvSpPr>
+        <p:spPr>
+          <a:xfrm>
+            <a:off x="6153106" y="2887839"/>
+            <a:ext cx="2006353" cy="369332"/>
+          </a:xfrm>
+          <a:prstGeom prst="rect">
+            <a:avLst/>
+          </a:prstGeom>
+          <a:noFill/>
+        </p:spPr>
+        <p:txBody>
+          <a:bodyPr wrap="square" rtlCol="0">
+            <a:spAutoFit/>
+          </a:bodyPr>
+          <a:lstStyle/>
+          <a:p>
+            <a:r>
+              <a:rPr lang="en-US" dirty="0"/>
+              <a:t>Scroll View</a:t>
+            </a:r>
+          </a:p>
+        </p:txBody>
+      </p:sp>
+      <p:cxnSp>
+        <p:nvCxnSpPr>
+          <p:cNvPr id="13" name="Straight Arrow Connector 12">
+            <a:extLst>
+              <a:ext uri="{FF2B5EF4-FFF2-40B4-BE49-F238E27FC236}">
+                <a16:creationId xmlns:a16="http://schemas.microsoft.com/office/drawing/2014/main" id="{F3ECF5A6-92C9-45A9-A902-6EF035DA67AC}"/>
+              </a:ext>
+            </a:extLst>
+          </p:cNvPr>
+          <p:cNvCxnSpPr/>
+          <p:nvPr/>
+        </p:nvCxnSpPr>
+        <p:spPr>
+          <a:xfrm flipH="1">
+            <a:off x="7308496" y="3087664"/>
+            <a:ext cx="929982" cy="0"/>
+          </a:xfrm>
+          <a:prstGeom prst="straightConnector1">
+            <a:avLst/>
+          </a:prstGeom>
+          <a:ln>
+            <a:tailEnd type="triangle"/>
+          </a:ln>
+        </p:spPr>
+        <p:style>
+          <a:lnRef idx="1">
+            <a:schemeClr val="accent1"/>
+          </a:lnRef>
+          <a:fillRef idx="0">
+            <a:schemeClr val="accent1"/>
+          </a:fillRef>
+          <a:effectRef idx="0">
+            <a:schemeClr val="accent1"/>
+          </a:effectRef>
+          <a:fontRef idx="minor">
+            <a:schemeClr val="tx1"/>
+          </a:fontRef>
+        </p:style>
+      </p:cxnSp>
     </p:spTree>
     <p:extLst>
       <p:ext uri="{BB962C8B-B14F-4D97-AF65-F5344CB8AC3E}">
